--- a/src/main/script/sample.pptx
+++ b/src/main/script/sample.pptx
@@ -7,7 +7,10 @@
   <p:sldIdLst>
     <p:sldId id="256" r:id="rId2"/>
     <p:sldId id="257" r:id="rId3"/>
-    <p:sldId id="258" r:id="rId4"/>
+    <p:sldId id="259" r:id="rId4"/>
+    <p:sldId id="260" r:id="rId5"/>
+    <p:sldId id="261" r:id="rId6"/>
+    <p:sldId id="258" r:id="rId7"/>
   </p:sldIdLst>
   <p:sldSz cx="9144000" cy="6858000" type="screen4x3"/>
   <p:notesSz cx="6858000" cy="9144000"/>
@@ -3728,6 +3731,739 @@
           <a:p>
             <a:r>
               <a:rPr lang="en-US" dirty="0" smtClean="0"/>
+              <a:t>Visualization</a:t>
+            </a:r>
+            <a:endParaRPr lang="en-US" dirty="0"/>
+          </a:p>
+        </p:txBody>
+      </p:sp>
+      <p:pic>
+        <p:nvPicPr>
+          <p:cNvPr id="10" name="Content Placeholder 9" descr="Screen Shot 2014-02-27 at 10.45.19 PM.png"/>
+          <p:cNvPicPr>
+            <a:picLocks noGrp="1" noChangeAspect="1"/>
+          </p:cNvPicPr>
+          <p:nvPr>
+            <p:ph sz="quarter" idx="13"/>
+          </p:nvPr>
+        </p:nvPicPr>
+        <p:blipFill>
+          <a:blip r:embed="rId2">
+            <a:extLst>
+              <a:ext uri="{28A0092B-C50C-407E-A947-70E740481C1C}">
+                <a14:useLocalDpi xmlns:a14="http://schemas.microsoft.com/office/drawing/2010/main" val="0"/>
+              </a:ext>
+            </a:extLst>
+          </a:blip>
+          <a:srcRect t="8410" b="8410"/>
+          <a:stretch>
+            <a:fillRect/>
+          </a:stretch>
+        </p:blipFill>
+        <p:spPr>
+          <a:xfrm>
+            <a:off x="609599" y="1417639"/>
+            <a:ext cx="8397559" cy="4542832"/>
+          </a:xfrm>
+        </p:spPr>
+      </p:pic>
+    </p:spTree>
+    <p:extLst>
+      <p:ext uri="{BB962C8B-B14F-4D97-AF65-F5344CB8AC3E}">
+        <p14:creationId xmlns:p14="http://schemas.microsoft.com/office/powerpoint/2010/main" val="3123864053"/>
+      </p:ext>
+    </p:extLst>
+  </p:cSld>
+  <p:clrMapOvr>
+    <a:masterClrMapping/>
+  </p:clrMapOvr>
+</p:sld>
+</file>
+
+<file path=ppt/slides/slide4.xml><?xml version="1.0" encoding="utf-8"?>
+<p:sld xmlns:a="http://schemas.openxmlformats.org/drawingml/2006/main" xmlns:r="http://schemas.openxmlformats.org/officeDocument/2006/relationships" xmlns:p="http://schemas.openxmlformats.org/presentationml/2006/main">
+  <p:cSld>
+    <p:spTree>
+      <p:nvGrpSpPr>
+        <p:cNvPr id="1" name=""/>
+        <p:cNvGrpSpPr/>
+        <p:nvPr/>
+      </p:nvGrpSpPr>
+      <p:grpSpPr>
+        <a:xfrm>
+          <a:off x="0" y="0"/>
+          <a:ext cx="0" cy="0"/>
+          <a:chOff x="0" y="0"/>
+          <a:chExt cx="0" cy="0"/>
+        </a:xfrm>
+      </p:grpSpPr>
+      <p:sp>
+        <p:nvSpPr>
+          <p:cNvPr id="2" name="Title 1"/>
+          <p:cNvSpPr>
+            <a:spLocks noGrp="1"/>
+          </p:cNvSpPr>
+          <p:nvPr>
+            <p:ph type="title"/>
+          </p:nvPr>
+        </p:nvSpPr>
+        <p:spPr/>
+        <p:txBody>
+          <a:bodyPr/>
+          <a:lstStyle/>
+          <a:p>
+            <a:r>
+              <a:rPr lang="en-US" dirty="0" smtClean="0"/>
+              <a:t>Left video id and corresponding count</a:t>
+            </a:r>
+            <a:endParaRPr lang="en-US" dirty="0"/>
+          </a:p>
+        </p:txBody>
+      </p:sp>
+      <p:graphicFrame>
+        <p:nvGraphicFramePr>
+          <p:cNvPr id="4" name="Content Placeholder 3"/>
+          <p:cNvGraphicFramePr>
+            <a:graphicFrameLocks noGrp="1"/>
+          </p:cNvGraphicFramePr>
+          <p:nvPr>
+            <p:ph sz="quarter" idx="13"/>
+            <p:extLst>
+              <p:ext uri="{D42A27DB-BD31-4B8C-83A1-F6EECF244321}">
+                <p14:modId xmlns:p14="http://schemas.microsoft.com/office/powerpoint/2010/main" val="2633705239"/>
+              </p:ext>
+            </p:extLst>
+          </p:nvPr>
+        </p:nvGraphicFramePr>
+        <p:xfrm>
+          <a:off x="609600" y="1600200"/>
+          <a:ext cx="7924800" cy="4079240"/>
+        </p:xfrm>
+        <a:graphic>
+          <a:graphicData uri="http://schemas.openxmlformats.org/drawingml/2006/table">
+            <a:tbl>
+              <a:tblPr firstRow="1" bandRow="1">
+                <a:tableStyleId>{5C22544A-7EE6-4342-B048-85BDC9FD1C3A}</a:tableStyleId>
+              </a:tblPr>
+              <a:tblGrid>
+                <a:gridCol w="3962400"/>
+                <a:gridCol w="3962400"/>
+              </a:tblGrid>
+              <a:tr h="370840">
+                <a:tc>
+                  <a:txBody>
+                    <a:bodyPr/>
+                    <a:lstStyle/>
+                    <a:p>
+                      <a:pPr algn="l" fontAlgn="b"/>
+                      <a:r>
+                        <a:rPr lang="en-US" sz="1200" b="0" i="0" u="none" strike="noStrike" dirty="0" smtClean="0">
+                          <a:solidFill>
+                            <a:srgbClr val="000000"/>
+                          </a:solidFill>
+                          <a:effectLst/>
+                          <a:latin typeface="Calibri"/>
+                        </a:rPr>
+                        <a:t>Video Id</a:t>
+                      </a:r>
+                      <a:endParaRPr lang="en-US" sz="1200" b="0" i="0" u="none" strike="noStrike" dirty="0">
+                        <a:solidFill>
+                          <a:srgbClr val="000000"/>
+                        </a:solidFill>
+                        <a:effectLst/>
+                        <a:latin typeface="Calibri"/>
+                      </a:endParaRPr>
+                    </a:p>
+                  </a:txBody>
+                  <a:tcPr marL="12700" marR="12700" marT="12700" marB="0" anchor="b"/>
+                </a:tc>
+                <a:tc>
+                  <a:txBody>
+                    <a:bodyPr/>
+                    <a:lstStyle/>
+                    <a:p>
+                      <a:pPr algn="r" fontAlgn="b"/>
+                      <a:r>
+                        <a:rPr lang="en-US" sz="1200" b="0" i="0" u="none" strike="noStrike" dirty="0" smtClean="0">
+                          <a:solidFill>
+                            <a:srgbClr val="000000"/>
+                          </a:solidFill>
+                          <a:effectLst/>
+                          <a:latin typeface="Calibri"/>
+                        </a:rPr>
+                        <a:t>Count</a:t>
+                      </a:r>
+                      <a:endParaRPr lang="en-US" sz="1200" b="0" i="0" u="none" strike="noStrike" dirty="0">
+                        <a:solidFill>
+                          <a:srgbClr val="000000"/>
+                        </a:solidFill>
+                        <a:effectLst/>
+                        <a:latin typeface="Calibri"/>
+                      </a:endParaRPr>
+                    </a:p>
+                  </a:txBody>
+                  <a:tcPr marL="12700" marR="12700" marT="12700" marB="0" anchor="b"/>
+                </a:tc>
+              </a:tr>
+              <a:tr h="370840">
+                <a:tc>
+                  <a:txBody>
+                    <a:bodyPr/>
+                    <a:lstStyle/>
+                    <a:p>
+                      <a:pPr algn="l" fontAlgn="b"/>
+                      <a:r>
+                        <a:rPr lang="en-US" sz="1200" b="0" i="0" u="none" strike="noStrike" dirty="0" smtClean="0">
+                          <a:solidFill>
+                            <a:srgbClr val="000000"/>
+                          </a:solidFill>
+                          <a:effectLst/>
+                          <a:latin typeface="Calibri"/>
+                        </a:rPr>
+                        <a:t>NAME</a:t>
+                      </a:r>
+                      <a:r>
+                        <a:rPr lang="en-US" sz="1200" b="0" i="0" u="none" strike="noStrike" dirty="0">
+                          <a:solidFill>
+                            <a:srgbClr val="000000"/>
+                          </a:solidFill>
+                          <a:effectLst/>
+                          <a:latin typeface="Calibri"/>
+                        </a:rPr>
+                        <a:t>?</a:t>
+                      </a:r>
+                    </a:p>
+                  </a:txBody>
+                  <a:tcPr marL="12700" marR="12700" marT="12700" marB="0" anchor="b"/>
+                </a:tc>
+                <a:tc>
+                  <a:txBody>
+                    <a:bodyPr/>
+                    <a:lstStyle/>
+                    <a:p>
+                      <a:pPr algn="r" fontAlgn="b"/>
+                      <a:r>
+                        <a:rPr lang="en-US" sz="1200" b="0" i="0" u="none" strike="noStrike">
+                          <a:solidFill>
+                            <a:srgbClr val="000000"/>
+                          </a:solidFill>
+                          <a:effectLst/>
+                          <a:latin typeface="Calibri"/>
+                        </a:rPr>
+                        <a:t>1904</a:t>
+                      </a:r>
+                    </a:p>
+                  </a:txBody>
+                  <a:tcPr marL="12700" marR="12700" marT="12700" marB="0" anchor="b"/>
+                </a:tc>
+              </a:tr>
+              <a:tr h="370840">
+                <a:tc>
+                  <a:txBody>
+                    <a:bodyPr/>
+                    <a:lstStyle/>
+                    <a:p>
+                      <a:pPr algn="l" fontAlgn="b"/>
+                      <a:r>
+                        <a:rPr lang="en-US" sz="1200" b="0" i="0" u="none" strike="noStrike" dirty="0">
+                          <a:solidFill>
+                            <a:srgbClr val="000000"/>
+                          </a:solidFill>
+                          <a:effectLst/>
+                          <a:latin typeface="Calibri"/>
+                        </a:rPr>
+                        <a:t>r6NzpVdq1Lk</a:t>
+                      </a:r>
+                    </a:p>
+                  </a:txBody>
+                  <a:tcPr marL="12700" marR="12700" marT="12700" marB="0" anchor="b"/>
+                </a:tc>
+                <a:tc>
+                  <a:txBody>
+                    <a:bodyPr/>
+                    <a:lstStyle/>
+                    <a:p>
+                      <a:pPr algn="r" fontAlgn="b"/>
+                      <a:r>
+                        <a:rPr lang="en-US" sz="1200" b="0" i="0" u="none" strike="noStrike">
+                          <a:solidFill>
+                            <a:srgbClr val="000000"/>
+                          </a:solidFill>
+                          <a:effectLst/>
+                          <a:latin typeface="Calibri"/>
+                        </a:rPr>
+                        <a:t>383</a:t>
+                      </a:r>
+                    </a:p>
+                  </a:txBody>
+                  <a:tcPr marL="12700" marR="12700" marT="12700" marB="0" anchor="b"/>
+                </a:tc>
+              </a:tr>
+              <a:tr h="370840">
+                <a:tc>
+                  <a:txBody>
+                    <a:bodyPr/>
+                    <a:lstStyle/>
+                    <a:p>
+                      <a:pPr algn="l" fontAlgn="b"/>
+                      <a:r>
+                        <a:rPr lang="en-US" sz="1200" b="0" i="0" u="none" strike="noStrike">
+                          <a:solidFill>
+                            <a:srgbClr val="000000"/>
+                          </a:solidFill>
+                          <a:effectLst/>
+                          <a:latin typeface="Calibri"/>
+                        </a:rPr>
+                        <a:t>EHCqz-J51IU</a:t>
+                      </a:r>
+                    </a:p>
+                  </a:txBody>
+                  <a:tcPr marL="12700" marR="12700" marT="12700" marB="0" anchor="b"/>
+                </a:tc>
+                <a:tc>
+                  <a:txBody>
+                    <a:bodyPr/>
+                    <a:lstStyle/>
+                    <a:p>
+                      <a:pPr algn="r" fontAlgn="b"/>
+                      <a:r>
+                        <a:rPr lang="en-US" sz="1200" b="0" i="0" u="none" strike="noStrike">
+                          <a:solidFill>
+                            <a:srgbClr val="000000"/>
+                          </a:solidFill>
+                          <a:effectLst/>
+                          <a:latin typeface="Calibri"/>
+                        </a:rPr>
+                        <a:t>357</a:t>
+                      </a:r>
+                    </a:p>
+                  </a:txBody>
+                  <a:tcPr marL="12700" marR="12700" marT="12700" marB="0" anchor="b"/>
+                </a:tc>
+              </a:tr>
+              <a:tr h="370840">
+                <a:tc>
+                  <a:txBody>
+                    <a:bodyPr/>
+                    <a:lstStyle/>
+                    <a:p>
+                      <a:pPr algn="l" fontAlgn="b"/>
+                      <a:r>
+                        <a:rPr lang="en-US" sz="1200" b="0" i="0" u="none" strike="noStrike" dirty="0">
+                          <a:solidFill>
+                            <a:srgbClr val="000000"/>
+                          </a:solidFill>
+                          <a:effectLst/>
+                          <a:latin typeface="Calibri"/>
+                        </a:rPr>
+                        <a:t>f43-4xlkWxM</a:t>
+                      </a:r>
+                    </a:p>
+                  </a:txBody>
+                  <a:tcPr marL="12700" marR="12700" marT="12700" marB="0" anchor="b"/>
+                </a:tc>
+                <a:tc>
+                  <a:txBody>
+                    <a:bodyPr/>
+                    <a:lstStyle/>
+                    <a:p>
+                      <a:pPr algn="r" fontAlgn="b"/>
+                      <a:r>
+                        <a:rPr lang="en-US" sz="1200" b="0" i="0" u="none" strike="noStrike">
+                          <a:solidFill>
+                            <a:srgbClr val="000000"/>
+                          </a:solidFill>
+                          <a:effectLst/>
+                          <a:latin typeface="Calibri"/>
+                        </a:rPr>
+                        <a:t>339</a:t>
+                      </a:r>
+                    </a:p>
+                  </a:txBody>
+                  <a:tcPr marL="12700" marR="12700" marT="12700" marB="0" anchor="b"/>
+                </a:tc>
+              </a:tr>
+              <a:tr h="370840">
+                <a:tc>
+                  <a:txBody>
+                    <a:bodyPr/>
+                    <a:lstStyle/>
+                    <a:p>
+                      <a:pPr algn="l" fontAlgn="b"/>
+                      <a:r>
+                        <a:rPr lang="en-US" sz="1200" b="0" i="0" u="none" strike="noStrike">
+                          <a:solidFill>
+                            <a:srgbClr val="000000"/>
+                          </a:solidFill>
+                          <a:effectLst/>
+                          <a:latin typeface="Calibri"/>
+                        </a:rPr>
+                        <a:t>oY6tCnu-1Do</a:t>
+                      </a:r>
+                    </a:p>
+                  </a:txBody>
+                  <a:tcPr marL="12700" marR="12700" marT="12700" marB="0" anchor="b"/>
+                </a:tc>
+                <a:tc>
+                  <a:txBody>
+                    <a:bodyPr/>
+                    <a:lstStyle/>
+                    <a:p>
+                      <a:pPr algn="r" fontAlgn="b"/>
+                      <a:r>
+                        <a:rPr lang="en-US" sz="1200" b="0" i="0" u="none" strike="noStrike">
+                          <a:solidFill>
+                            <a:srgbClr val="000000"/>
+                          </a:solidFill>
+                          <a:effectLst/>
+                          <a:latin typeface="Calibri"/>
+                        </a:rPr>
+                        <a:t>322</a:t>
+                      </a:r>
+                    </a:p>
+                  </a:txBody>
+                  <a:tcPr marL="12700" marR="12700" marT="12700" marB="0" anchor="b"/>
+                </a:tc>
+              </a:tr>
+              <a:tr h="370840">
+                <a:tc>
+                  <a:txBody>
+                    <a:bodyPr/>
+                    <a:lstStyle/>
+                    <a:p>
+                      <a:pPr algn="l" fontAlgn="b"/>
+                      <a:r>
+                        <a:rPr lang="en-US" sz="1200" b="0" i="0" u="none" strike="noStrike">
+                          <a:solidFill>
+                            <a:srgbClr val="000000"/>
+                          </a:solidFill>
+                          <a:effectLst/>
+                          <a:latin typeface="Calibri"/>
+                        </a:rPr>
+                        <a:t>qvPugcb7QGE</a:t>
+                      </a:r>
+                    </a:p>
+                  </a:txBody>
+                  <a:tcPr marL="12700" marR="12700" marT="12700" marB="0" anchor="b"/>
+                </a:tc>
+                <a:tc>
+                  <a:txBody>
+                    <a:bodyPr/>
+                    <a:lstStyle/>
+                    <a:p>
+                      <a:pPr algn="r" fontAlgn="b"/>
+                      <a:r>
+                        <a:rPr lang="en-US" sz="1200" b="0" i="0" u="none" strike="noStrike">
+                          <a:solidFill>
+                            <a:srgbClr val="000000"/>
+                          </a:solidFill>
+                          <a:effectLst/>
+                          <a:latin typeface="Calibri"/>
+                        </a:rPr>
+                        <a:t>299</a:t>
+                      </a:r>
+                    </a:p>
+                  </a:txBody>
+                  <a:tcPr marL="12700" marR="12700" marT="12700" marB="0" anchor="b"/>
+                </a:tc>
+              </a:tr>
+              <a:tr h="370840">
+                <a:tc>
+                  <a:txBody>
+                    <a:bodyPr/>
+                    <a:lstStyle/>
+                    <a:p>
+                      <a:pPr algn="l" fontAlgn="b"/>
+                      <a:r>
+                        <a:rPr lang="en-US" sz="1200" b="0" i="0" u="none" strike="noStrike">
+                          <a:solidFill>
+                            <a:srgbClr val="000000"/>
+                          </a:solidFill>
+                          <a:effectLst/>
+                          <a:latin typeface="Calibri"/>
+                        </a:rPr>
+                        <a:t>lrp-FT51zPE</a:t>
+                      </a:r>
+                    </a:p>
+                  </a:txBody>
+                  <a:tcPr marL="12700" marR="12700" marT="12700" marB="0" anchor="b"/>
+                </a:tc>
+                <a:tc>
+                  <a:txBody>
+                    <a:bodyPr/>
+                    <a:lstStyle/>
+                    <a:p>
+                      <a:pPr algn="r" fontAlgn="b"/>
+                      <a:r>
+                        <a:rPr lang="en-US" sz="1200" b="0" i="0" u="none" strike="noStrike">
+                          <a:solidFill>
+                            <a:srgbClr val="000000"/>
+                          </a:solidFill>
+                          <a:effectLst/>
+                          <a:latin typeface="Calibri"/>
+                        </a:rPr>
+                        <a:t>299</a:t>
+                      </a:r>
+                    </a:p>
+                  </a:txBody>
+                  <a:tcPr marL="12700" marR="12700" marT="12700" marB="0" anchor="b"/>
+                </a:tc>
+              </a:tr>
+              <a:tr h="370840">
+                <a:tc>
+                  <a:txBody>
+                    <a:bodyPr/>
+                    <a:lstStyle/>
+                    <a:p>
+                      <a:pPr algn="l" fontAlgn="b"/>
+                      <a:r>
+                        <a:rPr lang="en-US" sz="1200" b="0" i="0" u="none" strike="noStrike">
+                          <a:solidFill>
+                            <a:srgbClr val="000000"/>
+                          </a:solidFill>
+                          <a:effectLst/>
+                          <a:latin typeface="Calibri"/>
+                        </a:rPr>
+                        <a:t>EJJL5dxgVaM</a:t>
+                      </a:r>
+                    </a:p>
+                  </a:txBody>
+                  <a:tcPr marL="12700" marR="12700" marT="12700" marB="0" anchor="b"/>
+                </a:tc>
+                <a:tc>
+                  <a:txBody>
+                    <a:bodyPr/>
+                    <a:lstStyle/>
+                    <a:p>
+                      <a:pPr algn="r" fontAlgn="b"/>
+                      <a:r>
+                        <a:rPr lang="en-US" sz="1200" b="0" i="0" u="none" strike="noStrike">
+                          <a:solidFill>
+                            <a:srgbClr val="000000"/>
+                          </a:solidFill>
+                          <a:effectLst/>
+                          <a:latin typeface="Calibri"/>
+                        </a:rPr>
+                        <a:t>291</a:t>
+                      </a:r>
+                    </a:p>
+                  </a:txBody>
+                  <a:tcPr marL="12700" marR="12700" marT="12700" marB="0" anchor="b"/>
+                </a:tc>
+              </a:tr>
+              <a:tr h="370840">
+                <a:tc>
+                  <a:txBody>
+                    <a:bodyPr/>
+                    <a:lstStyle/>
+                    <a:p>
+                      <a:pPr algn="l" fontAlgn="b"/>
+                      <a:r>
+                        <a:rPr lang="en-US" sz="1200" b="0" i="0" u="none" strike="noStrike">
+                          <a:solidFill>
+                            <a:srgbClr val="000000"/>
+                          </a:solidFill>
+                          <a:effectLst/>
+                          <a:latin typeface="Calibri"/>
+                        </a:rPr>
+                        <a:t>FC5vS8Uju8o</a:t>
+                      </a:r>
+                    </a:p>
+                  </a:txBody>
+                  <a:tcPr marL="12700" marR="12700" marT="12700" marB="0" anchor="b"/>
+                </a:tc>
+                <a:tc>
+                  <a:txBody>
+                    <a:bodyPr/>
+                    <a:lstStyle/>
+                    <a:p>
+                      <a:pPr algn="r" fontAlgn="b"/>
+                      <a:r>
+                        <a:rPr lang="en-US" sz="1200" b="0" i="0" u="none" strike="noStrike">
+                          <a:solidFill>
+                            <a:srgbClr val="000000"/>
+                          </a:solidFill>
+                          <a:effectLst/>
+                          <a:latin typeface="Calibri"/>
+                        </a:rPr>
+                        <a:t>291</a:t>
+                      </a:r>
+                    </a:p>
+                  </a:txBody>
+                  <a:tcPr marL="12700" marR="12700" marT="12700" marB="0" anchor="b"/>
+                </a:tc>
+              </a:tr>
+              <a:tr h="370840">
+                <a:tc>
+                  <a:txBody>
+                    <a:bodyPr/>
+                    <a:lstStyle/>
+                    <a:p>
+                      <a:pPr algn="l" fontAlgn="b"/>
+                      <a:r>
+                        <a:rPr lang="en-US" sz="1200" b="0" i="0" u="none" strike="noStrike">
+                          <a:solidFill>
+                            <a:srgbClr val="000000"/>
+                          </a:solidFill>
+                          <a:effectLst/>
+                          <a:latin typeface="Calibri"/>
+                        </a:rPr>
+                        <a:t>IWuh4qXwuEI</a:t>
+                      </a:r>
+                    </a:p>
+                  </a:txBody>
+                  <a:tcPr marL="12700" marR="12700" marT="12700" marB="0" anchor="b"/>
+                </a:tc>
+                <a:tc>
+                  <a:txBody>
+                    <a:bodyPr/>
+                    <a:lstStyle/>
+                    <a:p>
+                      <a:pPr algn="r" fontAlgn="b"/>
+                      <a:r>
+                        <a:rPr lang="en-US" sz="1200" b="0" i="0" u="none" strike="noStrike" dirty="0">
+                          <a:solidFill>
+                            <a:srgbClr val="000000"/>
+                          </a:solidFill>
+                          <a:effectLst/>
+                          <a:latin typeface="Calibri"/>
+                        </a:rPr>
+                        <a:t>290</a:t>
+                      </a:r>
+                    </a:p>
+                  </a:txBody>
+                  <a:tcPr marL="12700" marR="12700" marT="12700" marB="0" anchor="b"/>
+                </a:tc>
+              </a:tr>
+            </a:tbl>
+          </a:graphicData>
+        </a:graphic>
+      </p:graphicFrame>
+    </p:spTree>
+    <p:extLst>
+      <p:ext uri="{BB962C8B-B14F-4D97-AF65-F5344CB8AC3E}">
+        <p14:creationId xmlns:p14="http://schemas.microsoft.com/office/powerpoint/2010/main" val="2725807461"/>
+      </p:ext>
+    </p:extLst>
+  </p:cSld>
+  <p:clrMapOvr>
+    <a:masterClrMapping/>
+  </p:clrMapOvr>
+</p:sld>
+</file>
+
+<file path=ppt/slides/slide5.xml><?xml version="1.0" encoding="utf-8"?>
+<p:sld xmlns:a="http://schemas.openxmlformats.org/drawingml/2006/main" xmlns:r="http://schemas.openxmlformats.org/officeDocument/2006/relationships" xmlns:p="http://schemas.openxmlformats.org/presentationml/2006/main">
+  <p:cSld>
+    <p:spTree>
+      <p:nvGrpSpPr>
+        <p:cNvPr id="1" name=""/>
+        <p:cNvGrpSpPr/>
+        <p:nvPr/>
+      </p:nvGrpSpPr>
+      <p:grpSpPr>
+        <a:xfrm>
+          <a:off x="0" y="0"/>
+          <a:ext cx="0" cy="0"/>
+          <a:chOff x="0" y="0"/>
+          <a:chExt cx="0" cy="0"/>
+        </a:xfrm>
+      </p:grpSpPr>
+      <p:sp>
+        <p:nvSpPr>
+          <p:cNvPr id="2" name="Title 1"/>
+          <p:cNvSpPr>
+            <a:spLocks noGrp="1"/>
+          </p:cNvSpPr>
+          <p:nvPr>
+            <p:ph type="title"/>
+          </p:nvPr>
+        </p:nvSpPr>
+        <p:spPr/>
+        <p:txBody>
+          <a:bodyPr/>
+          <a:lstStyle/>
+          <a:p>
+            <a:r>
+              <a:rPr lang="en-US" dirty="0" smtClean="0"/>
+              <a:t>More details via visualization</a:t>
+            </a:r>
+            <a:endParaRPr lang="en-US" dirty="0"/>
+          </a:p>
+        </p:txBody>
+      </p:sp>
+      <p:pic>
+        <p:nvPicPr>
+          <p:cNvPr id="6" name="Content Placeholder 5" descr="Screen Shot 2014-02-27 at 10.55.53 PM.png"/>
+          <p:cNvPicPr>
+            <a:picLocks noGrp="1" noChangeAspect="1"/>
+          </p:cNvPicPr>
+          <p:nvPr>
+            <p:ph sz="quarter" idx="13"/>
+          </p:nvPr>
+        </p:nvPicPr>
+        <p:blipFill>
+          <a:blip r:embed="rId2">
+            <a:extLst>
+              <a:ext uri="{28A0092B-C50C-407E-A947-70E740481C1C}">
+                <a14:useLocalDpi xmlns:a14="http://schemas.microsoft.com/office/drawing/2010/main" val="0"/>
+              </a:ext>
+            </a:extLst>
+          </a:blip>
+          <a:srcRect t="6841" b="6841"/>
+          <a:stretch>
+            <a:fillRect/>
+          </a:stretch>
+        </p:blipFill>
+        <p:spPr/>
+      </p:pic>
+    </p:spTree>
+    <p:extLst>
+      <p:ext uri="{BB962C8B-B14F-4D97-AF65-F5344CB8AC3E}">
+        <p14:creationId xmlns:p14="http://schemas.microsoft.com/office/powerpoint/2010/main" val="2329000610"/>
+      </p:ext>
+    </p:extLst>
+  </p:cSld>
+  <p:clrMapOvr>
+    <a:masterClrMapping/>
+  </p:clrMapOvr>
+</p:sld>
+</file>
+
+<file path=ppt/slides/slide6.xml><?xml version="1.0" encoding="utf-8"?>
+<p:sld xmlns:a="http://schemas.openxmlformats.org/drawingml/2006/main" xmlns:r="http://schemas.openxmlformats.org/officeDocument/2006/relationships" xmlns:p="http://schemas.openxmlformats.org/presentationml/2006/main">
+  <p:cSld>
+    <p:spTree>
+      <p:nvGrpSpPr>
+        <p:cNvPr id="1" name=""/>
+        <p:cNvGrpSpPr/>
+        <p:nvPr/>
+      </p:nvGrpSpPr>
+      <p:grpSpPr>
+        <a:xfrm>
+          <a:off x="0" y="0"/>
+          <a:ext cx="0" cy="0"/>
+          <a:chOff x="0" y="0"/>
+          <a:chExt cx="0" cy="0"/>
+        </a:xfrm>
+      </p:grpSpPr>
+      <p:sp>
+        <p:nvSpPr>
+          <p:cNvPr id="2" name="Title 1"/>
+          <p:cNvSpPr>
+            <a:spLocks noGrp="1"/>
+          </p:cNvSpPr>
+          <p:nvPr>
+            <p:ph type="title"/>
+          </p:nvPr>
+        </p:nvSpPr>
+        <p:spPr/>
+        <p:txBody>
+          <a:bodyPr/>
+          <a:lstStyle/>
+          <a:p>
+            <a:r>
+              <a:rPr lang="en-US" dirty="0" smtClean="0"/>
               <a:t>Duplicates sample</a:t>
             </a:r>
             <a:endParaRPr lang="en-US" dirty="0"/>

--- a/src/main/script/sample.pptx
+++ b/src/main/script/sample.pptx
@@ -7,10 +7,14 @@
   <p:sldIdLst>
     <p:sldId id="256" r:id="rId2"/>
     <p:sldId id="257" r:id="rId3"/>
-    <p:sldId id="259" r:id="rId4"/>
-    <p:sldId id="260" r:id="rId5"/>
-    <p:sldId id="261" r:id="rId6"/>
-    <p:sldId id="258" r:id="rId7"/>
+    <p:sldId id="263" r:id="rId4"/>
+    <p:sldId id="259" r:id="rId5"/>
+    <p:sldId id="260" r:id="rId6"/>
+    <p:sldId id="261" r:id="rId7"/>
+    <p:sldId id="262" r:id="rId8"/>
+    <p:sldId id="264" r:id="rId9"/>
+    <p:sldId id="258" r:id="rId10"/>
+    <p:sldId id="265" r:id="rId11"/>
   </p:sldIdLst>
   <p:sldSz cx="9144000" cy="6858000" type="screen4x3"/>
   <p:notesSz cx="6858000" cy="9144000"/>
@@ -3589,6 +3593,123 @@
 </p:sld>
 </file>
 
+<file path=ppt/slides/slide10.xml><?xml version="1.0" encoding="utf-8"?>
+<p:sld xmlns:a="http://schemas.openxmlformats.org/drawingml/2006/main" xmlns:r="http://schemas.openxmlformats.org/officeDocument/2006/relationships" xmlns:p="http://schemas.openxmlformats.org/presentationml/2006/main">
+  <p:cSld>
+    <p:spTree>
+      <p:nvGrpSpPr>
+        <p:cNvPr id="1" name=""/>
+        <p:cNvGrpSpPr/>
+        <p:nvPr/>
+      </p:nvGrpSpPr>
+      <p:grpSpPr>
+        <a:xfrm>
+          <a:off x="0" y="0"/>
+          <a:ext cx="0" cy="0"/>
+          <a:chOff x="0" y="0"/>
+          <a:chExt cx="0" cy="0"/>
+        </a:xfrm>
+      </p:grpSpPr>
+      <p:sp>
+        <p:nvSpPr>
+          <p:cNvPr id="2" name="Title 1"/>
+          <p:cNvSpPr>
+            <a:spLocks noGrp="1"/>
+          </p:cNvSpPr>
+          <p:nvPr>
+            <p:ph type="title"/>
+          </p:nvPr>
+        </p:nvSpPr>
+        <p:spPr/>
+        <p:txBody>
+          <a:bodyPr/>
+          <a:lstStyle/>
+          <a:p>
+            <a:r>
+              <a:rPr lang="en-US" dirty="0" smtClean="0"/>
+              <a:t>Transitivity idea</a:t>
+            </a:r>
+            <a:endParaRPr lang="en-US" dirty="0"/>
+          </a:p>
+        </p:txBody>
+      </p:sp>
+      <p:sp>
+        <p:nvSpPr>
+          <p:cNvPr id="3" name="TextBox 2"/>
+          <p:cNvSpPr txBox="1"/>
+          <p:nvPr/>
+        </p:nvSpPr>
+        <p:spPr>
+          <a:xfrm>
+            <a:off x="4114800" y="1041400"/>
+            <a:ext cx="184666" cy="369332"/>
+          </a:xfrm>
+          <a:prstGeom prst="rect">
+            <a:avLst/>
+          </a:prstGeom>
+          <a:noFill/>
+        </p:spPr>
+        <p:txBody>
+          <a:bodyPr wrap="none" rtlCol="0">
+            <a:spAutoFit/>
+          </a:bodyPr>
+          <a:lstStyle/>
+          <a:p>
+            <a:endParaRPr lang="en-US" dirty="0"/>
+          </a:p>
+        </p:txBody>
+      </p:sp>
+      <p:sp>
+        <p:nvSpPr>
+          <p:cNvPr id="5" name="Content Placeholder 4"/>
+          <p:cNvSpPr>
+            <a:spLocks noGrp="1"/>
+          </p:cNvSpPr>
+          <p:nvPr>
+            <p:ph sz="quarter" idx="13"/>
+          </p:nvPr>
+        </p:nvSpPr>
+        <p:spPr/>
+        <p:txBody>
+          <a:bodyPr/>
+          <a:lstStyle/>
+          <a:p>
+            <a:r>
+              <a:rPr lang="en-US" dirty="0" smtClean="0"/>
+              <a:t>If a&lt;b&lt;c, then a&lt;c</a:t>
+            </a:r>
+          </a:p>
+          <a:p>
+            <a:r>
+              <a:rPr lang="en-US" dirty="0" smtClean="0"/>
+              <a:t>If a&gt;b&gt;c, then a&gt;c</a:t>
+            </a:r>
+          </a:p>
+          <a:p>
+            <a:endParaRPr lang="en-US" dirty="0"/>
+          </a:p>
+          <a:p>
+            <a:r>
+              <a:rPr lang="en-US" dirty="0" smtClean="0"/>
+              <a:t>Perform Pig join and use transitivity  </a:t>
+            </a:r>
+            <a:endParaRPr lang="en-US" dirty="0"/>
+          </a:p>
+        </p:txBody>
+      </p:sp>
+    </p:spTree>
+    <p:extLst>
+      <p:ext uri="{BB962C8B-B14F-4D97-AF65-F5344CB8AC3E}">
+        <p14:creationId xmlns:p14="http://schemas.microsoft.com/office/powerpoint/2010/main" val="481643387"/>
+      </p:ext>
+    </p:extLst>
+  </p:cSld>
+  <p:clrMapOvr>
+    <a:masterClrMapping/>
+  </p:clrMapOvr>
+</p:sld>
+</file>
+
 <file path=ppt/slides/slide2.xml><?xml version="1.0" encoding="utf-8"?>
 <p:sld xmlns:a="http://schemas.openxmlformats.org/drawingml/2006/main" xmlns:r="http://schemas.openxmlformats.org/officeDocument/2006/relationships" xmlns:p="http://schemas.openxmlformats.org/presentationml/2006/main">
   <p:cSld>
@@ -3646,41 +3767,69 @@
           <a:p>
             <a:r>
               <a:rPr lang="en-US" dirty="0" smtClean="0"/>
-              <a:t>1. Simply count each video if it was preferred</a:t>
+              <a:t>1. Simply count each video if it was </a:t>
+            </a:r>
+            <a:r>
+              <a:rPr lang="en-US" dirty="0" smtClean="0"/>
+              <a:t>preferred</a:t>
             </a:r>
           </a:p>
           <a:p>
             <a:pPr lvl="1"/>
             <a:r>
               <a:rPr lang="en-US" dirty="0" smtClean="0"/>
-              <a:t>Construct a model pair based on the prefer list of single preferred videos</a:t>
+              <a:t>Group by first column and count the frequency</a:t>
             </a:r>
           </a:p>
           <a:p>
             <a:pPr lvl="1"/>
             <a:r>
               <a:rPr lang="en-US" dirty="0" smtClean="0"/>
-              <a:t>Check if the constructed pair in the initial list</a:t>
-            </a:r>
-          </a:p>
-          <a:p>
-            <a:pPr lvl="1"/>
+              <a:t>Find the most frequently picked videos </a:t>
+            </a:r>
+            <a:endParaRPr lang="en-US" dirty="0" smtClean="0"/>
+          </a:p>
+          <a:p>
+            <a:pPr marL="342900" lvl="1" indent="-342900"/>
+            <a:r>
+              <a:rPr lang="en-US" dirty="0"/>
+              <a:t>2. Use transitivity to increase the training </a:t>
+            </a:r>
+            <a:r>
+              <a:rPr lang="en-US" dirty="0" smtClean="0"/>
+              <a:t>space</a:t>
+            </a:r>
             <a:endParaRPr lang="en-US" dirty="0"/>
           </a:p>
           <a:p>
-            <a:pPr marL="457200" lvl="1" indent="0">
-              <a:buNone/>
-            </a:pPr>
+            <a:pPr marL="742950" lvl="2" indent="-342900"/>
             <a:r>
               <a:rPr lang="en-US" dirty="0" smtClean="0"/>
-              <a:t>2. Use transitivity to increase the training space</a:t>
-            </a:r>
-          </a:p>
-          <a:p>
-            <a:pPr marL="457200" lvl="1" indent="0">
-              <a:buNone/>
-            </a:pPr>
-            <a:endParaRPr lang="en-US" dirty="0"/>
+              <a:t>Construct </a:t>
+            </a:r>
+            <a:r>
+              <a:rPr lang="en-US" dirty="0" smtClean="0"/>
+              <a:t>a model pair based on the prefer list of single preferred </a:t>
+            </a:r>
+            <a:r>
+              <a:rPr lang="en-US" dirty="0" smtClean="0"/>
+              <a:t>videos</a:t>
+            </a:r>
+          </a:p>
+          <a:p>
+            <a:pPr marL="742950" lvl="2" indent="-342900"/>
+            <a:r>
+              <a:rPr lang="en-US" dirty="0" smtClean="0"/>
+              <a:t>Check </a:t>
+            </a:r>
+            <a:r>
+              <a:rPr lang="en-US" dirty="0" smtClean="0"/>
+              <a:t>if the constructed pair in the initial </a:t>
+            </a:r>
+            <a:r>
+              <a:rPr lang="en-US" dirty="0" smtClean="0"/>
+              <a:t>list</a:t>
+            </a:r>
           </a:p>
         </p:txBody>
       </p:sp>
@@ -3698,6 +3847,341 @@
 </file>
 
 <file path=ppt/slides/slide3.xml><?xml version="1.0" encoding="utf-8"?>
+<p:sld xmlns:a="http://schemas.openxmlformats.org/drawingml/2006/main" xmlns:r="http://schemas.openxmlformats.org/officeDocument/2006/relationships" xmlns:p="http://schemas.openxmlformats.org/presentationml/2006/main">
+  <p:cSld>
+    <p:spTree>
+      <p:nvGrpSpPr>
+        <p:cNvPr id="1" name=""/>
+        <p:cNvGrpSpPr/>
+        <p:nvPr/>
+      </p:nvGrpSpPr>
+      <p:grpSpPr>
+        <a:xfrm>
+          <a:off x="0" y="0"/>
+          <a:ext cx="0" cy="0"/>
+          <a:chOff x="0" y="0"/>
+          <a:chExt cx="0" cy="0"/>
+        </a:xfrm>
+      </p:grpSpPr>
+      <p:sp>
+        <p:nvSpPr>
+          <p:cNvPr id="2" name="Title 1"/>
+          <p:cNvSpPr>
+            <a:spLocks noGrp="1"/>
+          </p:cNvSpPr>
+          <p:nvPr>
+            <p:ph type="title"/>
+          </p:nvPr>
+        </p:nvSpPr>
+        <p:spPr/>
+        <p:txBody>
+          <a:bodyPr/>
+          <a:lstStyle/>
+          <a:p>
+            <a:r>
+              <a:rPr lang="en-US" dirty="0" smtClean="0"/>
+              <a:t>Data sample</a:t>
+            </a:r>
+            <a:endParaRPr lang="en-US" dirty="0"/>
+          </a:p>
+        </p:txBody>
+      </p:sp>
+      <p:graphicFrame>
+        <p:nvGraphicFramePr>
+          <p:cNvPr id="4" name="Content Placeholder 3"/>
+          <p:cNvGraphicFramePr>
+            <a:graphicFrameLocks noGrp="1"/>
+          </p:cNvGraphicFramePr>
+          <p:nvPr>
+            <p:ph sz="quarter" idx="13"/>
+            <p:extLst>
+              <p:ext uri="{D42A27DB-BD31-4B8C-83A1-F6EECF244321}">
+                <p14:modId xmlns:p14="http://schemas.microsoft.com/office/powerpoint/2010/main" val="1651502818"/>
+              </p:ext>
+            </p:extLst>
+          </p:nvPr>
+        </p:nvGraphicFramePr>
+        <p:xfrm>
+          <a:off x="609600" y="1600200"/>
+          <a:ext cx="7924800" cy="1483360"/>
+        </p:xfrm>
+        <a:graphic>
+          <a:graphicData uri="http://schemas.openxmlformats.org/drawingml/2006/table">
+            <a:tbl>
+              <a:tblPr firstRow="1" bandRow="1">
+                <a:tableStyleId>{5C22544A-7EE6-4342-B048-85BDC9FD1C3A}</a:tableStyleId>
+              </a:tblPr>
+              <a:tblGrid>
+                <a:gridCol w="2641600"/>
+                <a:gridCol w="2641600"/>
+                <a:gridCol w="2641600"/>
+              </a:tblGrid>
+              <a:tr h="370840">
+                <a:tc>
+                  <a:txBody>
+                    <a:bodyPr/>
+                    <a:lstStyle/>
+                    <a:p>
+                      <a:pPr algn="l" fontAlgn="b"/>
+                      <a:r>
+                        <a:rPr lang="en-US" sz="1200" b="0" i="0" u="none" strike="noStrike" dirty="0">
+                          <a:solidFill>
+                            <a:srgbClr val="000000"/>
+                          </a:solidFill>
+                          <a:effectLst/>
+                          <a:latin typeface="Calibri"/>
+                        </a:rPr>
+                        <a:t>__NUpIHLt5M</a:t>
+                      </a:r>
+                    </a:p>
+                  </a:txBody>
+                  <a:tcPr marL="12700" marR="12700" marT="12700" marB="0" anchor="b"/>
+                </a:tc>
+                <a:tc>
+                  <a:txBody>
+                    <a:bodyPr/>
+                    <a:lstStyle/>
+                    <a:p>
+                      <a:pPr algn="l" fontAlgn="b"/>
+                      <a:r>
+                        <a:rPr lang="en-US" sz="1200" b="0" i="0" u="none" strike="noStrike" dirty="0">
+                          <a:solidFill>
+                            <a:srgbClr val="000000"/>
+                          </a:solidFill>
+                          <a:effectLst/>
+                          <a:latin typeface="Calibri"/>
+                        </a:rPr>
+                        <a:t>00JwyUa4MjQ</a:t>
+                      </a:r>
+                    </a:p>
+                  </a:txBody>
+                  <a:tcPr marL="12700" marR="12700" marT="12700" marB="0" anchor="b"/>
+                </a:tc>
+                <a:tc>
+                  <a:txBody>
+                    <a:bodyPr/>
+                    <a:lstStyle/>
+                    <a:p>
+                      <a:pPr algn="l" fontAlgn="b"/>
+                      <a:r>
+                        <a:rPr lang="en-US" sz="1200" b="0" i="0" u="none" strike="noStrike" dirty="0">
+                          <a:solidFill>
+                            <a:srgbClr val="000000"/>
+                          </a:solidFill>
+                          <a:effectLst/>
+                          <a:latin typeface="Calibri"/>
+                        </a:rPr>
+                        <a:t>left</a:t>
+                      </a:r>
+                    </a:p>
+                  </a:txBody>
+                  <a:tcPr marL="12700" marR="12700" marT="12700" marB="0" anchor="b"/>
+                </a:tc>
+              </a:tr>
+              <a:tr h="370840">
+                <a:tc>
+                  <a:txBody>
+                    <a:bodyPr/>
+                    <a:lstStyle/>
+                    <a:p>
+                      <a:pPr algn="ctr" fontAlgn="b"/>
+                      <a:r>
+                        <a:rPr lang="en-US" sz="1200" b="0" i="0" u="none" strike="noStrike" dirty="0">
+                          <a:solidFill>
+                            <a:srgbClr val="000000"/>
+                          </a:solidFill>
+                          <a:effectLst/>
+                          <a:latin typeface="Calibri"/>
+                        </a:rPr>
+                        <a:t>#NAME?</a:t>
+                      </a:r>
+                    </a:p>
+                  </a:txBody>
+                  <a:tcPr marL="12700" marR="12700" marT="12700" marB="0" anchor="b"/>
+                </a:tc>
+                <a:tc>
+                  <a:txBody>
+                    <a:bodyPr/>
+                    <a:lstStyle/>
+                    <a:p>
+                      <a:pPr algn="l" fontAlgn="b"/>
+                      <a:r>
+                        <a:rPr lang="en-US" sz="1200" b="0" i="0" u="none" strike="noStrike">
+                          <a:solidFill>
+                            <a:srgbClr val="000000"/>
+                          </a:solidFill>
+                          <a:effectLst/>
+                          <a:latin typeface="Calibri"/>
+                        </a:rPr>
+                        <a:t>17OpZsQVbVw</a:t>
+                      </a:r>
+                    </a:p>
+                  </a:txBody>
+                  <a:tcPr marL="12700" marR="12700" marT="12700" marB="0" anchor="b"/>
+                </a:tc>
+                <a:tc>
+                  <a:txBody>
+                    <a:bodyPr/>
+                    <a:lstStyle/>
+                    <a:p>
+                      <a:pPr algn="l" fontAlgn="b"/>
+                      <a:r>
+                        <a:rPr lang="en-US" sz="1200" b="0" i="0" u="none" strike="noStrike" dirty="0">
+                          <a:solidFill>
+                            <a:srgbClr val="000000"/>
+                          </a:solidFill>
+                          <a:effectLst/>
+                          <a:latin typeface="Calibri"/>
+                        </a:rPr>
+                        <a:t>right</a:t>
+                      </a:r>
+                    </a:p>
+                  </a:txBody>
+                  <a:tcPr marL="12700" marR="12700" marT="12700" marB="0" anchor="b"/>
+                </a:tc>
+              </a:tr>
+              <a:tr h="370840">
+                <a:tc>
+                  <a:txBody>
+                    <a:bodyPr/>
+                    <a:lstStyle/>
+                    <a:p>
+                      <a:pPr algn="l" fontAlgn="b"/>
+                      <a:r>
+                        <a:rPr lang="en-US" sz="1200" b="0" i="0" u="none" strike="noStrike" dirty="0">
+                          <a:solidFill>
+                            <a:srgbClr val="000000"/>
+                          </a:solidFill>
+                          <a:effectLst/>
+                          <a:latin typeface="Calibri"/>
+                        </a:rPr>
+                        <a:t>__zRZhzf7i8</a:t>
+                      </a:r>
+                    </a:p>
+                  </a:txBody>
+                  <a:tcPr marL="12700" marR="12700" marT="12700" marB="0" anchor="b"/>
+                </a:tc>
+                <a:tc>
+                  <a:txBody>
+                    <a:bodyPr/>
+                    <a:lstStyle/>
+                    <a:p>
+                      <a:pPr algn="l" fontAlgn="b"/>
+                      <a:r>
+                        <a:rPr lang="en-US" sz="1200" b="0" i="0" u="none" strike="noStrike">
+                          <a:solidFill>
+                            <a:srgbClr val="000000"/>
+                          </a:solidFill>
+                          <a:effectLst/>
+                          <a:latin typeface="Calibri"/>
+                        </a:rPr>
+                        <a:t>QRmV6KWQ8X4</a:t>
+                      </a:r>
+                    </a:p>
+                  </a:txBody>
+                  <a:tcPr marL="12700" marR="12700" marT="12700" marB="0" anchor="b"/>
+                </a:tc>
+                <a:tc>
+                  <a:txBody>
+                    <a:bodyPr/>
+                    <a:lstStyle/>
+                    <a:p>
+                      <a:pPr algn="l" fontAlgn="b"/>
+                      <a:r>
+                        <a:rPr lang="en-US" sz="1200" b="0" i="0" u="none" strike="noStrike">
+                          <a:solidFill>
+                            <a:srgbClr val="000000"/>
+                          </a:solidFill>
+                          <a:effectLst/>
+                          <a:latin typeface="Calibri"/>
+                        </a:rPr>
+                        <a:t>right</a:t>
+                      </a:r>
+                    </a:p>
+                  </a:txBody>
+                  <a:tcPr marL="12700" marR="12700" marT="12700" marB="0" anchor="b"/>
+                </a:tc>
+              </a:tr>
+              <a:tr h="370840">
+                <a:tc>
+                  <a:txBody>
+                    <a:bodyPr/>
+                    <a:lstStyle/>
+                    <a:p>
+                      <a:pPr algn="l" fontAlgn="b"/>
+                      <a:r>
+                        <a:rPr lang="en-US" sz="1200" b="0" i="0" u="none" strike="noStrike">
+                          <a:solidFill>
+                            <a:srgbClr val="000000"/>
+                          </a:solidFill>
+                          <a:effectLst/>
+                          <a:latin typeface="Calibri"/>
+                        </a:rPr>
+                        <a:t>__zRZhzf7i8</a:t>
+                      </a:r>
+                    </a:p>
+                  </a:txBody>
+                  <a:tcPr marL="12700" marR="12700" marT="12700" marB="0" anchor="b"/>
+                </a:tc>
+                <a:tc>
+                  <a:txBody>
+                    <a:bodyPr/>
+                    <a:lstStyle/>
+                    <a:p>
+                      <a:pPr algn="l" fontAlgn="b"/>
+                      <a:r>
+                        <a:rPr lang="en-US" sz="1200" b="0" i="0" u="none" strike="noStrike">
+                          <a:solidFill>
+                            <a:srgbClr val="000000"/>
+                          </a:solidFill>
+                          <a:effectLst/>
+                          <a:latin typeface="Calibri"/>
+                        </a:rPr>
+                        <a:t>yN0n2L-xhbw</a:t>
+                      </a:r>
+                    </a:p>
+                  </a:txBody>
+                  <a:tcPr marL="12700" marR="12700" marT="12700" marB="0" anchor="b"/>
+                </a:tc>
+                <a:tc>
+                  <a:txBody>
+                    <a:bodyPr/>
+                    <a:lstStyle/>
+                    <a:p>
+                      <a:pPr algn="l" fontAlgn="b"/>
+                      <a:r>
+                        <a:rPr lang="en-US" sz="1200" b="0" i="0" u="none" strike="noStrike" dirty="0">
+                          <a:solidFill>
+                            <a:srgbClr val="000000"/>
+                          </a:solidFill>
+                          <a:effectLst/>
+                          <a:latin typeface="Calibri"/>
+                        </a:rPr>
+                        <a:t>left</a:t>
+                      </a:r>
+                    </a:p>
+                  </a:txBody>
+                  <a:tcPr marL="12700" marR="12700" marT="12700" marB="0" anchor="b"/>
+                </a:tc>
+              </a:tr>
+            </a:tbl>
+          </a:graphicData>
+        </a:graphic>
+      </p:graphicFrame>
+    </p:spTree>
+    <p:extLst>
+      <p:ext uri="{BB962C8B-B14F-4D97-AF65-F5344CB8AC3E}">
+        <p14:creationId xmlns:p14="http://schemas.microsoft.com/office/powerpoint/2010/main" val="1262552262"/>
+      </p:ext>
+    </p:extLst>
+  </p:cSld>
+  <p:clrMapOvr>
+    <a:masterClrMapping/>
+  </p:clrMapOvr>
+</p:sld>
+</file>
+
+<file path=ppt/slides/slide4.xml><?xml version="1.0" encoding="utf-8"?>
 <p:sld xmlns:a="http://schemas.openxmlformats.org/drawingml/2006/main" xmlns:r="http://schemas.openxmlformats.org/officeDocument/2006/relationships" xmlns:p="http://schemas.openxmlformats.org/presentationml/2006/main">
   <p:cSld>
     <p:spTree>
@@ -3780,7 +4264,7 @@
 </p:sld>
 </file>
 
-<file path=ppt/slides/slide4.xml><?xml version="1.0" encoding="utf-8"?>
+<file path=ppt/slides/slide5.xml><?xml version="1.0" encoding="utf-8"?>
 <p:sld xmlns:a="http://schemas.openxmlformats.org/drawingml/2006/main" xmlns:r="http://schemas.openxmlformats.org/officeDocument/2006/relationships" xmlns:p="http://schemas.openxmlformats.org/presentationml/2006/main">
   <p:cSld>
     <p:spTree>
@@ -4352,7 +4836,7 @@
 </p:sld>
 </file>
 
-<file path=ppt/slides/slide5.xml><?xml version="1.0" encoding="utf-8"?>
+<file path=ppt/slides/slide6.xml><?xml version="1.0" encoding="utf-8"?>
 <p:sld xmlns:a="http://schemas.openxmlformats.org/drawingml/2006/main" xmlns:r="http://schemas.openxmlformats.org/officeDocument/2006/relationships" xmlns:p="http://schemas.openxmlformats.org/presentationml/2006/main">
   <p:cSld>
     <p:spTree>
@@ -4430,7 +4914,7 @@
 </p:sld>
 </file>
 
-<file path=ppt/slides/slide6.xml><?xml version="1.0" encoding="utf-8"?>
+<file path=ppt/slides/slide7.xml><?xml version="1.0" encoding="utf-8"?>
 <p:sld xmlns:a="http://schemas.openxmlformats.org/drawingml/2006/main" xmlns:r="http://schemas.openxmlformats.org/officeDocument/2006/relationships" xmlns:p="http://schemas.openxmlformats.org/presentationml/2006/main">
   <p:cSld>
     <p:spTree>
@@ -4464,7 +4948,433 @@
           <a:p>
             <a:r>
               <a:rPr lang="en-US" dirty="0" smtClean="0"/>
-              <a:t>Duplicates sample</a:t>
+              <a:t>Normalize the data</a:t>
+            </a:r>
+            <a:endParaRPr lang="en-US" dirty="0"/>
+          </a:p>
+        </p:txBody>
+      </p:sp>
+      <p:sp>
+        <p:nvSpPr>
+          <p:cNvPr id="3" name="Content Placeholder 2"/>
+          <p:cNvSpPr>
+            <a:spLocks noGrp="1"/>
+          </p:cNvSpPr>
+          <p:nvPr>
+            <p:ph sz="quarter" idx="13"/>
+          </p:nvPr>
+        </p:nvSpPr>
+        <p:spPr/>
+        <p:txBody>
+          <a:bodyPr/>
+          <a:lstStyle/>
+          <a:p>
+            <a:r>
+              <a:rPr lang="en-US" dirty="0" smtClean="0"/>
+              <a:t>Inspect for duplications and clear the duplicates</a:t>
+            </a:r>
+          </a:p>
+          <a:p>
+            <a:r>
+              <a:rPr lang="en-US" dirty="0" smtClean="0"/>
+              <a:t>Remove any noise</a:t>
+            </a:r>
+          </a:p>
+          <a:p>
+            <a:pPr marL="0" indent="0">
+              <a:buNone/>
+            </a:pPr>
+            <a:endParaRPr lang="en-US" dirty="0"/>
+          </a:p>
+        </p:txBody>
+      </p:sp>
+    </p:spTree>
+    <p:extLst>
+      <p:ext uri="{BB962C8B-B14F-4D97-AF65-F5344CB8AC3E}">
+        <p14:creationId xmlns:p14="http://schemas.microsoft.com/office/powerpoint/2010/main" val="3958632205"/>
+      </p:ext>
+    </p:extLst>
+  </p:cSld>
+  <p:clrMapOvr>
+    <a:masterClrMapping/>
+  </p:clrMapOvr>
+</p:sld>
+</file>
+
+<file path=ppt/slides/slide8.xml><?xml version="1.0" encoding="utf-8"?>
+<p:sld xmlns:a="http://schemas.openxmlformats.org/drawingml/2006/main" xmlns:r="http://schemas.openxmlformats.org/officeDocument/2006/relationships" xmlns:p="http://schemas.openxmlformats.org/presentationml/2006/main">
+  <p:cSld>
+    <p:spTree>
+      <p:nvGrpSpPr>
+        <p:cNvPr id="1" name=""/>
+        <p:cNvGrpSpPr/>
+        <p:nvPr/>
+      </p:nvGrpSpPr>
+      <p:grpSpPr>
+        <a:xfrm>
+          <a:off x="0" y="0"/>
+          <a:ext cx="0" cy="0"/>
+          <a:chOff x="0" y="0"/>
+          <a:chExt cx="0" cy="0"/>
+        </a:xfrm>
+      </p:grpSpPr>
+      <p:sp>
+        <p:nvSpPr>
+          <p:cNvPr id="2" name="Title 1"/>
+          <p:cNvSpPr>
+            <a:spLocks noGrp="1"/>
+          </p:cNvSpPr>
+          <p:nvPr>
+            <p:ph type="title"/>
+          </p:nvPr>
+        </p:nvSpPr>
+        <p:spPr/>
+        <p:txBody>
+          <a:bodyPr/>
+          <a:lstStyle/>
+          <a:p>
+            <a:r>
+              <a:rPr lang="en-US" dirty="0" smtClean="0"/>
+              <a:t>Noise sample</a:t>
+            </a:r>
+            <a:endParaRPr lang="en-US" dirty="0"/>
+          </a:p>
+        </p:txBody>
+      </p:sp>
+      <p:graphicFrame>
+        <p:nvGraphicFramePr>
+          <p:cNvPr id="4" name="Content Placeholder 3"/>
+          <p:cNvGraphicFramePr>
+            <a:graphicFrameLocks noGrp="1"/>
+          </p:cNvGraphicFramePr>
+          <p:nvPr>
+            <p:ph sz="quarter" idx="13"/>
+            <p:extLst>
+              <p:ext uri="{D42A27DB-BD31-4B8C-83A1-F6EECF244321}">
+                <p14:modId xmlns:p14="http://schemas.microsoft.com/office/powerpoint/2010/main" val="639258729"/>
+              </p:ext>
+            </p:extLst>
+          </p:nvPr>
+        </p:nvGraphicFramePr>
+        <p:xfrm>
+          <a:off x="609600" y="1600200"/>
+          <a:ext cx="7924800" cy="1483360"/>
+        </p:xfrm>
+        <a:graphic>
+          <a:graphicData uri="http://schemas.openxmlformats.org/drawingml/2006/table">
+            <a:tbl>
+              <a:tblPr firstRow="1" bandRow="1">
+                <a:tableStyleId>{5C22544A-7EE6-4342-B048-85BDC9FD1C3A}</a:tableStyleId>
+              </a:tblPr>
+              <a:tblGrid>
+                <a:gridCol w="2641600"/>
+                <a:gridCol w="2641600"/>
+                <a:gridCol w="2641600"/>
+              </a:tblGrid>
+              <a:tr h="370840">
+                <a:tc>
+                  <a:txBody>
+                    <a:bodyPr/>
+                    <a:lstStyle/>
+                    <a:p>
+                      <a:pPr algn="ctr" fontAlgn="b"/>
+                      <a:r>
+                        <a:rPr lang="en-US" sz="1200" b="0" i="0" u="none" strike="noStrike" dirty="0">
+                          <a:solidFill>
+                            <a:srgbClr val="000000"/>
+                          </a:solidFill>
+                          <a:effectLst/>
+                          <a:latin typeface="Calibri"/>
+                        </a:rPr>
+                        <a:t>#NAME?</a:t>
+                      </a:r>
+                    </a:p>
+                  </a:txBody>
+                  <a:tcPr marL="12700" marR="12700" marT="12700" marB="0" anchor="b"/>
+                </a:tc>
+                <a:tc>
+                  <a:txBody>
+                    <a:bodyPr/>
+                    <a:lstStyle/>
+                    <a:p>
+                      <a:pPr algn="l" fontAlgn="b"/>
+                      <a:r>
+                        <a:rPr lang="en-US" sz="1200" b="0" i="0" u="none" strike="noStrike">
+                          <a:solidFill>
+                            <a:srgbClr val="000000"/>
+                          </a:solidFill>
+                          <a:effectLst/>
+                          <a:latin typeface="Calibri"/>
+                        </a:rPr>
+                        <a:t>17OpZsQVbVw</a:t>
+                      </a:r>
+                    </a:p>
+                  </a:txBody>
+                  <a:tcPr marL="12700" marR="12700" marT="12700" marB="0" anchor="b"/>
+                </a:tc>
+                <a:tc>
+                  <a:txBody>
+                    <a:bodyPr/>
+                    <a:lstStyle/>
+                    <a:p>
+                      <a:pPr algn="l" fontAlgn="b"/>
+                      <a:r>
+                        <a:rPr lang="en-US" sz="1200" b="0" i="0" u="none" strike="noStrike">
+                          <a:solidFill>
+                            <a:srgbClr val="000000"/>
+                          </a:solidFill>
+                          <a:effectLst/>
+                          <a:latin typeface="Calibri"/>
+                        </a:rPr>
+                        <a:t>right</a:t>
+                      </a:r>
+                    </a:p>
+                  </a:txBody>
+                  <a:tcPr marL="12700" marR="12700" marT="12700" marB="0" anchor="b"/>
+                </a:tc>
+              </a:tr>
+              <a:tr h="370840">
+                <a:tc>
+                  <a:txBody>
+                    <a:bodyPr/>
+                    <a:lstStyle/>
+                    <a:p>
+                      <a:pPr algn="ctr" fontAlgn="b"/>
+                      <a:r>
+                        <a:rPr lang="en-US" sz="1200" b="0" i="0" u="none" strike="noStrike">
+                          <a:solidFill>
+                            <a:srgbClr val="000000"/>
+                          </a:solidFill>
+                          <a:effectLst/>
+                          <a:latin typeface="Calibri"/>
+                        </a:rPr>
+                        <a:t>#NAME?</a:t>
+                      </a:r>
+                    </a:p>
+                  </a:txBody>
+                  <a:tcPr marL="12700" marR="12700" marT="12700" marB="0" anchor="b"/>
+                </a:tc>
+                <a:tc>
+                  <a:txBody>
+                    <a:bodyPr/>
+                    <a:lstStyle/>
+                    <a:p>
+                      <a:pPr algn="l" fontAlgn="b"/>
+                      <a:r>
+                        <a:rPr lang="en-US" sz="1200" b="0" i="0" u="none" strike="noStrike">
+                          <a:solidFill>
+                            <a:srgbClr val="000000"/>
+                          </a:solidFill>
+                          <a:effectLst/>
+                          <a:latin typeface="Calibri"/>
+                        </a:rPr>
+                        <a:t>R94sRLS0QWI</a:t>
+                      </a:r>
+                    </a:p>
+                  </a:txBody>
+                  <a:tcPr marL="12700" marR="12700" marT="12700" marB="0" anchor="b"/>
+                </a:tc>
+                <a:tc>
+                  <a:txBody>
+                    <a:bodyPr/>
+                    <a:lstStyle/>
+                    <a:p>
+                      <a:pPr algn="l" fontAlgn="b"/>
+                      <a:r>
+                        <a:rPr lang="en-US" sz="1200" b="0" i="0" u="none" strike="noStrike">
+                          <a:solidFill>
+                            <a:srgbClr val="000000"/>
+                          </a:solidFill>
+                          <a:effectLst/>
+                          <a:latin typeface="Calibri"/>
+                        </a:rPr>
+                        <a:t>right</a:t>
+                      </a:r>
+                    </a:p>
+                  </a:txBody>
+                  <a:tcPr marL="12700" marR="12700" marT="12700" marB="0" anchor="b"/>
+                </a:tc>
+              </a:tr>
+              <a:tr h="370840">
+                <a:tc>
+                  <a:txBody>
+                    <a:bodyPr/>
+                    <a:lstStyle/>
+                    <a:p>
+                      <a:pPr algn="ctr" fontAlgn="b"/>
+                      <a:r>
+                        <a:rPr lang="en-US" sz="1200" b="0" i="0" u="none" strike="noStrike">
+                          <a:solidFill>
+                            <a:srgbClr val="000000"/>
+                          </a:solidFill>
+                          <a:effectLst/>
+                          <a:latin typeface="Calibri"/>
+                        </a:rPr>
+                        <a:t>#NAME?</a:t>
+                      </a:r>
+                    </a:p>
+                  </a:txBody>
+                  <a:tcPr marL="12700" marR="12700" marT="12700" marB="0" anchor="b"/>
+                </a:tc>
+                <a:tc>
+                  <a:txBody>
+                    <a:bodyPr/>
+                    <a:lstStyle/>
+                    <a:p>
+                      <a:pPr algn="l" fontAlgn="b"/>
+                      <a:r>
+                        <a:rPr lang="en-US" sz="1200" b="0" i="0" u="none" strike="noStrike">
+                          <a:solidFill>
+                            <a:srgbClr val="000000"/>
+                          </a:solidFill>
+                          <a:effectLst/>
+                          <a:latin typeface="Calibri"/>
+                        </a:rPr>
+                        <a:t>9Cf3XxuM6TU</a:t>
+                      </a:r>
+                    </a:p>
+                  </a:txBody>
+                  <a:tcPr marL="12700" marR="12700" marT="12700" marB="0" anchor="b"/>
+                </a:tc>
+                <a:tc>
+                  <a:txBody>
+                    <a:bodyPr/>
+                    <a:lstStyle/>
+                    <a:p>
+                      <a:pPr algn="l" fontAlgn="b"/>
+                      <a:r>
+                        <a:rPr lang="en-US" sz="1200" b="0" i="0" u="none" strike="noStrike">
+                          <a:solidFill>
+                            <a:srgbClr val="000000"/>
+                          </a:solidFill>
+                          <a:effectLst/>
+                          <a:latin typeface="Calibri"/>
+                        </a:rPr>
+                        <a:t>left</a:t>
+                      </a:r>
+                    </a:p>
+                  </a:txBody>
+                  <a:tcPr marL="12700" marR="12700" marT="12700" marB="0" anchor="b"/>
+                </a:tc>
+              </a:tr>
+              <a:tr h="370840">
+                <a:tc>
+                  <a:txBody>
+                    <a:bodyPr/>
+                    <a:lstStyle/>
+                    <a:p>
+                      <a:pPr algn="ctr" fontAlgn="b"/>
+                      <a:r>
+                        <a:rPr lang="en-US" sz="1200" b="0" i="0" u="none" strike="noStrike">
+                          <a:solidFill>
+                            <a:srgbClr val="000000"/>
+                          </a:solidFill>
+                          <a:effectLst/>
+                          <a:latin typeface="Calibri"/>
+                        </a:rPr>
+                        <a:t>#NAME?</a:t>
+                      </a:r>
+                    </a:p>
+                  </a:txBody>
+                  <a:tcPr marL="12700" marR="12700" marT="12700" marB="0" anchor="b"/>
+                </a:tc>
+                <a:tc>
+                  <a:txBody>
+                    <a:bodyPr/>
+                    <a:lstStyle/>
+                    <a:p>
+                      <a:pPr algn="l" fontAlgn="b"/>
+                      <a:r>
+                        <a:rPr lang="en-US" sz="1200" b="0" i="0" u="none" strike="noStrike">
+                          <a:solidFill>
+                            <a:srgbClr val="000000"/>
+                          </a:solidFill>
+                          <a:effectLst/>
+                          <a:latin typeface="Calibri"/>
+                        </a:rPr>
+                        <a:t>a3HMLgJmy2A</a:t>
+                      </a:r>
+                    </a:p>
+                  </a:txBody>
+                  <a:tcPr marL="12700" marR="12700" marT="12700" marB="0" anchor="b"/>
+                </a:tc>
+                <a:tc>
+                  <a:txBody>
+                    <a:bodyPr/>
+                    <a:lstStyle/>
+                    <a:p>
+                      <a:pPr algn="l" fontAlgn="b"/>
+                      <a:r>
+                        <a:rPr lang="en-US" sz="1200" b="0" i="0" u="none" strike="noStrike" dirty="0">
+                          <a:solidFill>
+                            <a:srgbClr val="000000"/>
+                          </a:solidFill>
+                          <a:effectLst/>
+                          <a:latin typeface="Calibri"/>
+                        </a:rPr>
+                        <a:t>right</a:t>
+                      </a:r>
+                    </a:p>
+                  </a:txBody>
+                  <a:tcPr marL="12700" marR="12700" marT="12700" marB="0" anchor="b"/>
+                </a:tc>
+              </a:tr>
+            </a:tbl>
+          </a:graphicData>
+        </a:graphic>
+      </p:graphicFrame>
+    </p:spTree>
+    <p:extLst>
+      <p:ext uri="{BB962C8B-B14F-4D97-AF65-F5344CB8AC3E}">
+        <p14:creationId xmlns:p14="http://schemas.microsoft.com/office/powerpoint/2010/main" val="3610755277"/>
+      </p:ext>
+    </p:extLst>
+  </p:cSld>
+  <p:clrMapOvr>
+    <a:masterClrMapping/>
+  </p:clrMapOvr>
+</p:sld>
+</file>
+
+<file path=ppt/slides/slide9.xml><?xml version="1.0" encoding="utf-8"?>
+<p:sld xmlns:a="http://schemas.openxmlformats.org/drawingml/2006/main" xmlns:r="http://schemas.openxmlformats.org/officeDocument/2006/relationships" xmlns:p="http://schemas.openxmlformats.org/presentationml/2006/main">
+  <p:cSld>
+    <p:spTree>
+      <p:nvGrpSpPr>
+        <p:cNvPr id="1" name=""/>
+        <p:cNvGrpSpPr/>
+        <p:nvPr/>
+      </p:nvGrpSpPr>
+      <p:grpSpPr>
+        <a:xfrm>
+          <a:off x="0" y="0"/>
+          <a:ext cx="0" cy="0"/>
+          <a:chOff x="0" y="0"/>
+          <a:chExt cx="0" cy="0"/>
+        </a:xfrm>
+      </p:grpSpPr>
+      <p:sp>
+        <p:nvSpPr>
+          <p:cNvPr id="2" name="Title 1"/>
+          <p:cNvSpPr>
+            <a:spLocks noGrp="1"/>
+          </p:cNvSpPr>
+          <p:nvPr>
+            <p:ph type="title"/>
+          </p:nvPr>
+        </p:nvSpPr>
+        <p:spPr/>
+        <p:txBody>
+          <a:bodyPr/>
+          <a:lstStyle/>
+          <a:p>
+            <a:r>
+              <a:rPr lang="en-US" dirty="0" smtClean="0"/>
+              <a:t>Duplicates </a:t>
+            </a:r>
+            <a:r>
+              <a:rPr lang="en-US" dirty="0" smtClean="0"/>
+              <a:t>sample. why?</a:t>
             </a:r>
             <a:endParaRPr lang="en-US" dirty="0"/>
           </a:p>
